--- a/doc/DD-AVX.pptx
+++ b/doc/DD-AVX.pptx
@@ -1672,7 +1672,7 @@
               <a:pPr>
                 <a:defRPr/>
               </a:pPr>
-              <a:t>2017/3/17</a:t>
+              <a:t>2017/4/3</a:t>
             </a:fld>
             <a:r>
               <a:rPr lang="ja-JP" altLang="en-US" dirty="0"/>
@@ -2034,7 +2034,7 @@
               <a:pPr>
                 <a:defRPr/>
               </a:pPr>
-              <a:t>2017/3/17</a:t>
+              <a:t>2017/4/3</a:t>
             </a:fld>
             <a:r>
               <a:rPr lang="ja-JP" altLang="en-US" dirty="0"/>
@@ -2838,7 +2838,7 @@
               <a:pPr>
                 <a:defRPr/>
               </a:pPr>
-              <a:t>2017/3/17</a:t>
+              <a:t>2017/4/3</a:t>
             </a:fld>
             <a:r>
               <a:rPr lang="ja-JP" altLang="en-US"/>
@@ -3215,7 +3215,7 @@
               <a:pPr>
                 <a:defRPr/>
               </a:pPr>
-              <a:t>2017/3/17</a:t>
+              <a:t>2017/4/3</a:t>
             </a:fld>
             <a:r>
               <a:rPr lang="ja-JP" altLang="en-US"/>
@@ -3496,7 +3496,7 @@
               <a:pPr>
                 <a:defRPr/>
               </a:pPr>
-              <a:t>2017/3/17</a:t>
+              <a:t>2017/4/3</a:t>
             </a:fld>
             <a:r>
               <a:rPr lang="ja-JP" altLang="en-US"/>
@@ -3736,7 +3736,7 @@
               <a:pPr>
                 <a:defRPr/>
               </a:pPr>
-              <a:t>2017/3/17</a:t>
+              <a:t>2017/4/3</a:t>
             </a:fld>
             <a:r>
               <a:rPr lang="ja-JP" altLang="en-US"/>
@@ -4009,7 +4009,7 @@
               <a:pPr>
                 <a:defRPr/>
               </a:pPr>
-              <a:t>2017/3/17</a:t>
+              <a:t>2017/4/3</a:t>
             </a:fld>
             <a:r>
               <a:rPr lang="ja-JP" altLang="en-US"/>
@@ -4172,7 +4172,7 @@
               <a:pPr>
                 <a:defRPr/>
               </a:pPr>
-              <a:t>2017/3/17</a:t>
+              <a:t>2017/4/3</a:t>
             </a:fld>
             <a:r>
               <a:rPr lang="ja-JP" altLang="en-US"/>
@@ -4511,7 +4511,7 @@
               <a:pPr>
                 <a:defRPr/>
               </a:pPr>
-              <a:t>2017/3/17</a:t>
+              <a:t>2017/4/3</a:t>
             </a:fld>
             <a:r>
               <a:rPr lang="ja-JP" altLang="en-US"/>
@@ -4975,7 +4975,7 @@
               <a:pPr>
                 <a:defRPr/>
               </a:pPr>
-              <a:t>2017/3/17</a:t>
+              <a:t>2017/4/3</a:t>
             </a:fld>
             <a:r>
               <a:rPr lang="ja-JP" altLang="en-US"/>
@@ -5288,84 +5288,6 @@
           <a:p>
             <a:r>
               <a:rPr lang="en-US" altLang="ja-JP" sz="1800" dirty="0"/>
-              <a:t>      </a:t>
-            </a:r>
-            <a:r>
-              <a:rPr lang="en-US" altLang="ja-JP" sz="1800" dirty="0" err="1"/>
-              <a:t>D_Matrix</a:t>
-            </a:r>
-            <a:r>
-              <a:rPr lang="en-US" altLang="ja-JP" sz="1800" dirty="0"/>
-              <a:t> operator=(</a:t>
-            </a:r>
-            <a:r>
-              <a:rPr lang="en-US" altLang="ja-JP" sz="1800" dirty="0" err="1"/>
-              <a:t>const</a:t>
-            </a:r>
-            <a:r>
-              <a:rPr lang="en-US" altLang="ja-JP" sz="1800" dirty="0"/>
-              <a:t> </a:t>
-            </a:r>
-            <a:r>
-              <a:rPr lang="en-US" altLang="ja-JP" sz="1800" dirty="0" err="1"/>
-              <a:t>D_Matrix</a:t>
-            </a:r>
-            <a:r>
-              <a:rPr lang="en-US" altLang="ja-JP" sz="1800" dirty="0"/>
-              <a:t>&amp; D);</a:t>
-            </a:r>
-          </a:p>
-          <a:p>
-            <a:r>
-              <a:rPr lang="en-US" altLang="ja-JP" sz="1800" dirty="0"/>
-              <a:t>      </a:t>
-            </a:r>
-            <a:r>
-              <a:rPr lang="en-US" altLang="ja-JP" sz="1800" dirty="0" err="1"/>
-              <a:t>D_Matrix</a:t>
-            </a:r>
-            <a:r>
-              <a:rPr lang="en-US" altLang="ja-JP" sz="1800" dirty="0"/>
-              <a:t> copy(</a:t>
-            </a:r>
-            <a:r>
-              <a:rPr lang="en-US" altLang="ja-JP" sz="1800" dirty="0" err="1"/>
-              <a:t>D_Matrix</a:t>
-            </a:r>
-            <a:r>
-              <a:rPr lang="en-US" altLang="ja-JP" sz="1800" dirty="0"/>
-              <a:t> D);</a:t>
-            </a:r>
-          </a:p>
-          <a:p>
-            <a:endParaRPr lang="en-US" altLang="ja-JP" sz="1800" dirty="0"/>
-          </a:p>
-          <a:p>
-            <a:r>
-              <a:rPr lang="en-US" altLang="ja-JP" sz="1800" dirty="0"/>
-              <a:t>      void malloc(</a:t>
-            </a:r>
-            <a:r>
-              <a:rPr lang="en-US" altLang="ja-JP" sz="1800" dirty="0" err="1"/>
-              <a:t>int</a:t>
-            </a:r>
-            <a:r>
-              <a:rPr lang="en-US" altLang="ja-JP" sz="1800" dirty="0"/>
-              <a:t> n);</a:t>
-            </a:r>
-          </a:p>
-          <a:p>
-            <a:r>
-              <a:rPr lang="en-US" altLang="ja-JP" sz="1800" dirty="0"/>
-              <a:t>      void free();</a:t>
-            </a:r>
-          </a:p>
-          <a:p>
-            <a:endParaRPr lang="en-US" altLang="ja-JP" sz="1800" dirty="0"/>
-          </a:p>
-          <a:p>
-            <a:r>
-              <a:rPr lang="en-US" altLang="ja-JP" sz="1800" dirty="0"/>
               <a:t>      void input(</a:t>
             </a:r>
             <a:r>
@@ -5402,7 +5324,7 @@
               <a:pPr>
                 <a:defRPr/>
               </a:pPr>
-              <a:t>2017/3/17</a:t>
+              <a:t>2017/4/3</a:t>
             </a:fld>
             <a:r>
               <a:rPr lang="ja-JP" altLang="en-US"/>
@@ -5976,7 +5898,7 @@
               <a:pPr>
                 <a:defRPr/>
               </a:pPr>
-              <a:t>2017/3/17</a:t>
+              <a:t>2017/4/3</a:t>
             </a:fld>
             <a:r>
               <a:rPr lang="ja-JP" altLang="en-US"/>
@@ -6209,7 +6131,7 @@
               <a:pPr>
                 <a:defRPr/>
               </a:pPr>
-              <a:t>2017/3/17</a:t>
+              <a:t>2017/4/3</a:t>
             </a:fld>
             <a:r>
               <a:rPr lang="ja-JP" altLang="en-US"/>
@@ -6410,7 +6332,7 @@
               <a:pPr>
                 <a:defRPr/>
               </a:pPr>
-              <a:t>2017/3/17</a:t>
+              <a:t>2017/4/3</a:t>
             </a:fld>
             <a:r>
               <a:rPr lang="ja-JP" altLang="en-US"/>
@@ -6628,7 +6550,7 @@
               <a:pPr>
                 <a:defRPr/>
               </a:pPr>
-              <a:t>2017/3/17</a:t>
+              <a:t>2017/4/3</a:t>
             </a:fld>
             <a:r>
               <a:rPr lang="ja-JP" altLang="en-US"/>
@@ -6780,13 +6702,9 @@
             </a:r>
             <a:r>
               <a:rPr lang="ja-JP" altLang="en-US" dirty="0"/>
-              <a:t>行目に</a:t>
-            </a:r>
-            <a:r>
-              <a:rPr lang="ja-JP" altLang="en-US" b="1" dirty="0"/>
-              <a:t>列数・行数・要素数</a:t>
-            </a:r>
-            <a:endParaRPr lang="en-US" altLang="ja-JP" b="1" dirty="0"/>
+              <a:t>行目に列数・行数・要素数</a:t>
+            </a:r>
+            <a:endParaRPr lang="en-US" altLang="ja-JP" dirty="0"/>
           </a:p>
           <a:p>
             <a:pPr marL="0" indent="0">
@@ -6893,7 +6811,7 @@
               <a:pPr>
                 <a:defRPr/>
               </a:pPr>
-              <a:t>2017/3/17</a:t>
+              <a:t>2017/4/3</a:t>
             </a:fld>
             <a:r>
               <a:rPr lang="ja-JP" altLang="en-US"/>
@@ -7053,7 +6971,7 @@
               <a:pPr>
                 <a:defRPr/>
               </a:pPr>
-              <a:t>2017/3/17</a:t>
+              <a:t>2017/4/3</a:t>
             </a:fld>
             <a:r>
               <a:rPr lang="ja-JP" altLang="en-US"/>
@@ -7215,7 +7133,7 @@
               <a:pPr>
                 <a:defRPr/>
               </a:pPr>
-              <a:t>2017/3/17</a:t>
+              <a:t>2017/4/3</a:t>
             </a:fld>
             <a:r>
               <a:rPr lang="ja-JP" altLang="en-US"/>
@@ -7444,7 +7362,7 @@
               <a:pPr>
                 <a:defRPr/>
               </a:pPr>
-              <a:t>2017/3/17</a:t>
+              <a:t>2017/4/3</a:t>
             </a:fld>
             <a:r>
               <a:rPr lang="ja-JP" altLang="en-US"/>
@@ -7639,7 +7557,7 @@
               <a:pPr>
                 <a:defRPr/>
               </a:pPr>
-              <a:t>2017/3/17</a:t>
+              <a:t>2017/4/3</a:t>
             </a:fld>
             <a:r>
               <a:rPr lang="ja-JP" altLang="en-US"/>
@@ -7941,7 +7859,7 @@
               <a:pPr>
                 <a:defRPr/>
               </a:pPr>
-              <a:t>2017/3/17</a:t>
+              <a:t>2017/4/3</a:t>
             </a:fld>
             <a:r>
               <a:rPr lang="ja-JP" altLang="en-US" dirty="0"/>
@@ -8666,7 +8584,7 @@
               <a:pPr>
                 <a:defRPr/>
               </a:pPr>
-              <a:t>2017/3/17</a:t>
+              <a:t>2017/4/3</a:t>
             </a:fld>
             <a:r>
               <a:rPr lang="ja-JP" altLang="en-US" dirty="0"/>
@@ -11747,7 +11665,7 @@
               <a:pPr>
                 <a:defRPr/>
               </a:pPr>
-              <a:t>2017/3/17</a:t>
+              <a:t>2017/4/3</a:t>
             </a:fld>
             <a:endParaRPr lang="en-US" altLang="ja-JP" dirty="0"/>
           </a:p>
@@ -13915,7 +13833,7 @@
               <a:pPr>
                 <a:defRPr/>
               </a:pPr>
-              <a:t>2017/3/17</a:t>
+              <a:t>2017/4/3</a:t>
             </a:fld>
             <a:r>
               <a:rPr lang="ja-JP" altLang="en-US"/>
@@ -14132,7 +14050,7 @@
               <a:pPr>
                 <a:defRPr/>
               </a:pPr>
-              <a:t>2017/3/17</a:t>
+              <a:t>2017/4/3</a:t>
             </a:fld>
             <a:r>
               <a:rPr lang="ja-JP" altLang="en-US"/>

--- a/doc/DD-AVX.pptx
+++ b/doc/DD-AVX.pptx
@@ -167,7 +167,7 @@
   </p:defaultTextStyle>
   <p:extLst>
     <p:ext uri="{EFAFB233-063F-42B5-8137-9DF3F51BA10A}">
-      <p15:sldGuideLst xmlns:p15="http://schemas.microsoft.com/office/powerpoint/2012/main">
+      <p15:sldGuideLst xmlns:p15="http://schemas.microsoft.com/office/powerpoint/2012/main" xmlns="">
         <p15:guide id="1" orient="horz" pos="2160">
           <p15:clr>
             <a:srgbClr val="A4A3A4"/>
@@ -181,7 +181,7 @@
       </p15:sldGuideLst>
     </p:ext>
     <p:ext uri="{2D200454-40CA-4A62-9FC3-DE9A4176ACB9}">
-      <p15:notesGuideLst xmlns:p15="http://schemas.microsoft.com/office/powerpoint/2012/main">
+      <p15:notesGuideLst xmlns:p15="http://schemas.microsoft.com/office/powerpoint/2012/main" xmlns="">
         <p15:guide id="1" orient="horz" pos="3127">
           <p15:clr>
             <a:srgbClr val="A4A3A4"/>
@@ -400,7 +400,7 @@
               <a:pPr>
                 <a:defRPr/>
               </a:pPr>
-              <a:t>‹#›</a:t>
+              <a:t>&lt;#&gt;</a:t>
             </a:fld>
             <a:endParaRPr lang="en-US" altLang="ja-JP"/>
           </a:p>
@@ -409,7 +409,7 @@
     </p:spTree>
     <p:extLst>
       <p:ext uri="{BB962C8B-B14F-4D97-AF65-F5344CB8AC3E}">
-        <p14:creationId xmlns:p14="http://schemas.microsoft.com/office/powerpoint/2010/main" val="260906568"/>
+        <p14:creationId xmlns:p14="http://schemas.microsoft.com/office/powerpoint/2010/main" xmlns="" val="260906568"/>
       </p:ext>
     </p:extLst>
   </p:cSld>
@@ -749,7 +749,7 @@
               <a:pPr>
                 <a:defRPr/>
               </a:pPr>
-              <a:t>‹#›</a:t>
+              <a:t>&lt;#&gt;</a:t>
             </a:fld>
             <a:endParaRPr lang="en-US" altLang="ja-JP"/>
           </a:p>
@@ -758,7 +758,7 @@
     </p:spTree>
     <p:extLst>
       <p:ext uri="{BB962C8B-B14F-4D97-AF65-F5344CB8AC3E}">
-        <p14:creationId xmlns:p14="http://schemas.microsoft.com/office/powerpoint/2010/main" val="30689568"/>
+        <p14:creationId xmlns:p14="http://schemas.microsoft.com/office/powerpoint/2010/main" xmlns="" val="30689568"/>
       </p:ext>
     </p:extLst>
   </p:cSld>
@@ -973,7 +973,7 @@
     </p:spTree>
     <p:extLst>
       <p:ext uri="{BB962C8B-B14F-4D97-AF65-F5344CB8AC3E}">
-        <p14:creationId xmlns:p14="http://schemas.microsoft.com/office/powerpoint/2010/main" val="2146899064"/>
+        <p14:creationId xmlns:p14="http://schemas.microsoft.com/office/powerpoint/2010/main" xmlns="" val="2146899064"/>
       </p:ext>
     </p:extLst>
   </p:cSld>
@@ -1068,7 +1068,7 @@
     </p:spTree>
     <p:extLst>
       <p:ext uri="{BB962C8B-B14F-4D97-AF65-F5344CB8AC3E}">
-        <p14:creationId xmlns:p14="http://schemas.microsoft.com/office/powerpoint/2010/main" val="40689984"/>
+        <p14:creationId xmlns:p14="http://schemas.microsoft.com/office/powerpoint/2010/main" xmlns="" val="40689984"/>
       </p:ext>
     </p:extLst>
   </p:cSld>
@@ -1672,7 +1672,7 @@
               <a:pPr>
                 <a:defRPr/>
               </a:pPr>
-              <a:t>2017/4/3</a:t>
+              <a:t>2017/4/8</a:t>
             </a:fld>
             <a:r>
               <a:rPr lang="ja-JP" altLang="en-US" dirty="0"/>
@@ -1721,7 +1721,7 @@
               <a:pPr>
                 <a:defRPr/>
               </a:pPr>
-              <a:t>‹#›</a:t>
+              <a:t>&lt;#&gt;</a:t>
             </a:fld>
             <a:endParaRPr lang="en-US" altLang="ja-JP" dirty="0"/>
           </a:p>
@@ -2034,7 +2034,7 @@
               <a:pPr>
                 <a:defRPr/>
               </a:pPr>
-              <a:t>2017/4/3</a:t>
+              <a:t>2017/4/8</a:t>
             </a:fld>
             <a:r>
               <a:rPr lang="ja-JP" altLang="en-US" dirty="0"/>
@@ -2087,7 +2087,7 @@
               <a:pPr>
                 <a:defRPr/>
               </a:pPr>
-              <a:t>‹#›</a:t>
+              <a:t>&lt;#&gt;</a:t>
             </a:fld>
             <a:endParaRPr lang="en-US" altLang="ja-JP" dirty="0"/>
           </a:p>
@@ -2589,7 +2589,7 @@
     </p:spTree>
     <p:extLst>
       <p:ext uri="{BB962C8B-B14F-4D97-AF65-F5344CB8AC3E}">
-        <p14:creationId xmlns:p14="http://schemas.microsoft.com/office/powerpoint/2010/main" val="2174783940"/>
+        <p14:creationId xmlns:p14="http://schemas.microsoft.com/office/powerpoint/2010/main" xmlns="" val="2174783940"/>
       </p:ext>
     </p:extLst>
   </p:cSld>
@@ -2838,7 +2838,7 @@
               <a:pPr>
                 <a:defRPr/>
               </a:pPr>
-              <a:t>2017/4/3</a:t>
+              <a:t>2017/4/8</a:t>
             </a:fld>
             <a:r>
               <a:rPr lang="ja-JP" altLang="en-US"/>
@@ -3215,7 +3215,7 @@
               <a:pPr>
                 <a:defRPr/>
               </a:pPr>
-              <a:t>2017/4/3</a:t>
+              <a:t>2017/4/8</a:t>
             </a:fld>
             <a:r>
               <a:rPr lang="ja-JP" altLang="en-US"/>
@@ -3496,7 +3496,7 @@
               <a:pPr>
                 <a:defRPr/>
               </a:pPr>
-              <a:t>2017/4/3</a:t>
+              <a:t>2017/4/8</a:t>
             </a:fld>
             <a:r>
               <a:rPr lang="ja-JP" altLang="en-US"/>
@@ -3736,7 +3736,7 @@
               <a:pPr>
                 <a:defRPr/>
               </a:pPr>
-              <a:t>2017/4/3</a:t>
+              <a:t>2017/4/8</a:t>
             </a:fld>
             <a:r>
               <a:rPr lang="ja-JP" altLang="en-US"/>
@@ -4009,7 +4009,7 @@
               <a:pPr>
                 <a:defRPr/>
               </a:pPr>
-              <a:t>2017/4/3</a:t>
+              <a:t>2017/4/8</a:t>
             </a:fld>
             <a:r>
               <a:rPr lang="ja-JP" altLang="en-US"/>
@@ -4172,7 +4172,7 @@
               <a:pPr>
                 <a:defRPr/>
               </a:pPr>
-              <a:t>2017/4/3</a:t>
+              <a:t>2017/4/8</a:t>
             </a:fld>
             <a:r>
               <a:rPr lang="ja-JP" altLang="en-US"/>
@@ -4283,8 +4283,29 @@
           <a:p>
             <a:r>
               <a:rPr lang="en-US" altLang="ja-JP" sz="1800" dirty="0"/>
-              <a:t>      double hi;</a:t>
-            </a:r>
+              <a:t>      double </a:t>
+            </a:r>
+            <a:r>
+              <a:rPr lang="en-US" altLang="ja-JP" sz="1800" dirty="0" smtClean="0"/>
+              <a:t>hi;</a:t>
+            </a:r>
+            <a:r>
+              <a:rPr lang="ja-JP" altLang="en-US" sz="1800" dirty="0" smtClean="0"/>
+              <a:t>　</a:t>
+            </a:r>
+            <a:r>
+              <a:rPr lang="en-US" altLang="ja-JP" sz="1800" dirty="0" smtClean="0"/>
+              <a:t>(DD</a:t>
+            </a:r>
+            <a:r>
+              <a:rPr lang="ja-JP" altLang="en-US" sz="1800" dirty="0" smtClean="0"/>
+              <a:t>のみ</a:t>
+            </a:r>
+            <a:r>
+              <a:rPr lang="en-US" altLang="ja-JP" sz="1800" dirty="0" smtClean="0"/>
+              <a:t>)double lo;</a:t>
+            </a:r>
+            <a:endParaRPr lang="en-US" altLang="ja-JP" sz="1800" dirty="0"/>
           </a:p>
           <a:p>
             <a:r>
@@ -4418,15 +4439,11 @@
             </a:r>
             <a:r>
               <a:rPr lang="en-US" altLang="ja-JP" sz="1800" dirty="0"/>
-              <a:t> dot(</a:t>
-            </a:r>
-            <a:r>
-              <a:rPr lang="en-US" altLang="ja-JP" sz="1800" dirty="0" err="1"/>
-              <a:t>X_Vector</a:t>
-            </a:r>
-            <a:r>
-              <a:rPr lang="en-US" altLang="ja-JP" sz="1800" dirty="0"/>
               <a:t> </a:t>
+            </a:r>
+            <a:r>
+              <a:rPr lang="en-US" altLang="ja-JP" sz="1800" dirty="0" smtClean="0"/>
+              <a:t>dot(X1_Vector </a:t>
             </a:r>
             <a:r>
               <a:rPr lang="en-US" altLang="ja-JP" sz="1800" dirty="0" err="1"/>
@@ -4437,12 +4454,8 @@
               <a:t>, </a:t>
             </a:r>
             <a:r>
-              <a:rPr lang="en-US" altLang="ja-JP" sz="1800" dirty="0" err="1"/>
-              <a:t>X_Vector</a:t>
-            </a:r>
-            <a:r>
-              <a:rPr lang="en-US" altLang="ja-JP" sz="1800" dirty="0"/>
-              <a:t> </a:t>
+              <a:rPr lang="en-US" altLang="ja-JP" sz="1800" dirty="0" smtClean="0"/>
+              <a:t>X2_Vector </a:t>
             </a:r>
             <a:r>
               <a:rPr lang="en-US" altLang="ja-JP" sz="1800" dirty="0" err="1"/>
@@ -4511,7 +4524,7 @@
               <a:pPr>
                 <a:defRPr/>
               </a:pPr>
-              <a:t>2017/4/3</a:t>
+              <a:t>2017/4/8</a:t>
             </a:fld>
             <a:r>
               <a:rPr lang="ja-JP" altLang="en-US"/>
@@ -4700,8 +4713,21 @@
           <a:p>
             <a:r>
               <a:rPr lang="en-US" altLang="ja-JP" sz="1600" dirty="0"/>
-              <a:t>double *hi;</a:t>
-            </a:r>
+              <a:t>double *hi</a:t>
+            </a:r>
+            <a:r>
+              <a:rPr lang="en-US" altLang="ja-JP" sz="1600" dirty="0" smtClean="0"/>
+              <a:t>; (DD</a:t>
+            </a:r>
+            <a:r>
+              <a:rPr lang="ja-JP" altLang="en-US" sz="1600" dirty="0" smtClean="0"/>
+              <a:t>のみ</a:t>
+            </a:r>
+            <a:r>
+              <a:rPr lang="en-US" altLang="ja-JP" sz="1600" dirty="0" smtClean="0"/>
+              <a:t>) double *lo;</a:t>
+            </a:r>
+            <a:endParaRPr lang="en-US" altLang="ja-JP" sz="1600" dirty="0"/>
           </a:p>
           <a:p>
             <a:r>
@@ -4975,7 +5001,7 @@
               <a:pPr>
                 <a:defRPr/>
               </a:pPr>
-              <a:t>2017/4/3</a:t>
+              <a:t>2017/4/8</a:t>
             </a:fld>
             <a:r>
               <a:rPr lang="ja-JP" altLang="en-US"/>
@@ -5324,7 +5350,7 @@
               <a:pPr>
                 <a:defRPr/>
               </a:pPr>
-              <a:t>2017/4/3</a:t>
+              <a:t>2017/4/8</a:t>
             </a:fld>
             <a:r>
               <a:rPr lang="ja-JP" altLang="en-US"/>
@@ -5508,28 +5534,20 @@
               <a:t>void </a:t>
             </a:r>
             <a:r>
-              <a:rPr lang="en-US" altLang="ja-JP" sz="1800" dirty="0" err="1"/>
+              <a:rPr lang="en-US" altLang="ja-JP" sz="1800" dirty="0" err="1" smtClean="0"/>
               <a:t>DD_AVX_axpy</a:t>
             </a:r>
             <a:r>
+              <a:rPr lang="en-US" altLang="ja-JP" sz="1800" dirty="0" smtClean="0"/>
+              <a:t>(X1_Scalar </a:t>
+            </a:r>
+            <a:r>
               <a:rPr lang="en-US" altLang="ja-JP" sz="1800" dirty="0"/>
-              <a:t>(</a:t>
-            </a:r>
-            <a:r>
-              <a:rPr lang="en-US" altLang="ja-JP" sz="1800" dirty="0" err="1"/>
-              <a:t>X_Scalar</a:t>
-            </a:r>
-            <a:r>
-              <a:rPr lang="en-US" altLang="ja-JP" sz="1800" dirty="0"/>
-              <a:t> alpha, </a:t>
-            </a:r>
-            <a:r>
-              <a:rPr lang="en-US" altLang="ja-JP" sz="1800" dirty="0" err="1"/>
-              <a:t>X_Vector</a:t>
-            </a:r>
-            <a:r>
-              <a:rPr lang="en-US" altLang="ja-JP" sz="1800" dirty="0"/>
-              <a:t> </a:t>
+              <a:t>alpha, </a:t>
+            </a:r>
+            <a:r>
+              <a:rPr lang="en-US" altLang="ja-JP" sz="1800" dirty="0" smtClean="0"/>
+              <a:t>X2_Vector </a:t>
             </a:r>
             <a:r>
               <a:rPr lang="en-US" altLang="ja-JP" sz="1800" dirty="0" err="1"/>
@@ -5540,12 +5558,8 @@
               <a:t>, </a:t>
             </a:r>
             <a:r>
-              <a:rPr lang="en-US" altLang="ja-JP" sz="1800" dirty="0" err="1"/>
-              <a:t>X_Vector</a:t>
-            </a:r>
-            <a:r>
-              <a:rPr lang="en-US" altLang="ja-JP" sz="1800" dirty="0"/>
-              <a:t> </a:t>
+              <a:rPr lang="en-US" altLang="ja-JP" sz="1800" dirty="0" smtClean="0"/>
+              <a:t>X3_Vector </a:t>
             </a:r>
             <a:r>
               <a:rPr lang="en-US" altLang="ja-JP" sz="1800" dirty="0" err="1"/>
@@ -5562,28 +5576,20 @@
               <a:t>void </a:t>
             </a:r>
             <a:r>
-              <a:rPr lang="en-US" altLang="ja-JP" sz="1800" dirty="0" err="1"/>
+              <a:rPr lang="en-US" altLang="ja-JP" sz="1800" dirty="0" err="1" smtClean="0"/>
               <a:t>DD_AVX_axpyz</a:t>
             </a:r>
             <a:r>
+              <a:rPr lang="en-US" altLang="ja-JP" sz="1800" dirty="0" smtClean="0"/>
+              <a:t>(X1_Scalar </a:t>
+            </a:r>
+            <a:r>
               <a:rPr lang="en-US" altLang="ja-JP" sz="1800" dirty="0"/>
-              <a:t>(</a:t>
-            </a:r>
-            <a:r>
-              <a:rPr lang="en-US" altLang="ja-JP" sz="1800" dirty="0" err="1"/>
-              <a:t>X_Scalar</a:t>
-            </a:r>
-            <a:r>
-              <a:rPr lang="en-US" altLang="ja-JP" sz="1800" dirty="0"/>
-              <a:t> alpha, </a:t>
-            </a:r>
-            <a:r>
-              <a:rPr lang="en-US" altLang="ja-JP" sz="1800" dirty="0" err="1"/>
-              <a:t>X_Vector</a:t>
-            </a:r>
-            <a:r>
-              <a:rPr lang="en-US" altLang="ja-JP" sz="1800" dirty="0"/>
-              <a:t> </a:t>
+              <a:t>alpha, </a:t>
+            </a:r>
+            <a:r>
+              <a:rPr lang="en-US" altLang="ja-JP" sz="1800" dirty="0" smtClean="0"/>
+              <a:t>X2_Vector </a:t>
             </a:r>
             <a:r>
               <a:rPr lang="en-US" altLang="ja-JP" sz="1800" dirty="0" err="1"/>
@@ -5594,12 +5600,15 @@
               <a:t>, </a:t>
             </a:r>
             <a:r>
-              <a:rPr lang="en-US" altLang="ja-JP" sz="1800" dirty="0" err="1"/>
-              <a:t>X_Vector</a:t>
-            </a:r>
-            <a:r>
-              <a:rPr lang="en-US" altLang="ja-JP" sz="1800" dirty="0"/>
-              <a:t> </a:t>
+              <a:rPr lang="en-US" altLang="ja-JP" sz="1800" dirty="0" smtClean="0"/>
+              <a:t/>
+            </a:r>
+            <a:br>
+              <a:rPr lang="en-US" altLang="ja-JP" sz="1800" dirty="0" smtClean="0"/>
+            </a:br>
+            <a:r>
+              <a:rPr lang="en-US" altLang="ja-JP" sz="1800" dirty="0" smtClean="0"/>
+              <a:t>X3_Vector </a:t>
             </a:r>
             <a:r>
               <a:rPr lang="en-US" altLang="ja-JP" sz="1800" dirty="0" err="1"/>
@@ -5610,12 +5619,8 @@
               <a:t>, </a:t>
             </a:r>
             <a:r>
-              <a:rPr lang="en-US" altLang="ja-JP" sz="1800" dirty="0" err="1"/>
-              <a:t>X_Vector</a:t>
-            </a:r>
-            <a:r>
-              <a:rPr lang="en-US" altLang="ja-JP" sz="1800" dirty="0"/>
-              <a:t> </a:t>
+              <a:rPr lang="en-US" altLang="ja-JP" sz="1800" dirty="0" smtClean="0"/>
+              <a:t>X4_Vector </a:t>
             </a:r>
             <a:r>
               <a:rPr lang="en-US" altLang="ja-JP" sz="1800" dirty="0" err="1"/>
@@ -5632,20 +5637,12 @@
               <a:t>void </a:t>
             </a:r>
             <a:r>
-              <a:rPr lang="en-US" altLang="ja-JP" sz="1800" dirty="0" err="1"/>
+              <a:rPr lang="en-US" altLang="ja-JP" sz="1800" dirty="0" err="1" smtClean="0"/>
               <a:t>DD_AVX_dot</a:t>
             </a:r>
             <a:r>
-              <a:rPr lang="en-US" altLang="ja-JP" sz="1800" dirty="0"/>
-              <a:t>(</a:t>
-            </a:r>
-            <a:r>
-              <a:rPr lang="en-US" altLang="ja-JP" sz="1800" dirty="0" err="1"/>
-              <a:t>X_Vector</a:t>
-            </a:r>
-            <a:r>
-              <a:rPr lang="en-US" altLang="ja-JP" sz="1800" dirty="0"/>
-              <a:t> </a:t>
+              <a:rPr lang="en-US" altLang="ja-JP" sz="1800" dirty="0" smtClean="0"/>
+              <a:t>(X1_Vector </a:t>
             </a:r>
             <a:r>
               <a:rPr lang="en-US" altLang="ja-JP" sz="1800" dirty="0" err="1"/>
@@ -5656,12 +5653,8 @@
               <a:t>, </a:t>
             </a:r>
             <a:r>
-              <a:rPr lang="en-US" altLang="ja-JP" sz="1800" dirty="0" err="1"/>
-              <a:t>X_Vector</a:t>
-            </a:r>
-            <a:r>
-              <a:rPr lang="en-US" altLang="ja-JP" sz="1800" dirty="0"/>
-              <a:t> </a:t>
+              <a:rPr lang="en-US" altLang="ja-JP" sz="1800" dirty="0" smtClean="0"/>
+              <a:t>X2_Vector </a:t>
             </a:r>
             <a:r>
               <a:rPr lang="en-US" altLang="ja-JP" sz="1800" dirty="0" err="1"/>
@@ -5672,16 +5665,76 @@
               <a:t>, </a:t>
             </a:r>
             <a:r>
+              <a:rPr lang="en-US" altLang="ja-JP" sz="1800" dirty="0" smtClean="0"/>
+              <a:t>X3_Scalar</a:t>
+            </a:r>
+            <a:r>
+              <a:rPr lang="en-US" altLang="ja-JP" sz="1800" dirty="0"/>
+              <a:t>* val);</a:t>
+            </a:r>
+          </a:p>
+          <a:p>
+            <a:r>
+              <a:rPr lang="en-US" altLang="ja-JP" sz="1800" dirty="0"/>
+              <a:t>void </a:t>
+            </a:r>
+            <a:r>
+              <a:rPr lang="en-US" altLang="ja-JP" sz="1800" dirty="0" smtClean="0"/>
+              <a:t>DD_AVX_nrm2(X1_Vector </a:t>
+            </a:r>
+            <a:r>
               <a:rPr lang="en-US" altLang="ja-JP" sz="1800" dirty="0" err="1"/>
-              <a:t>X_Scalar</a:t>
+              <a:t>vx</a:t>
             </a:r>
             <a:r>
               <a:rPr lang="en-US" altLang="ja-JP" sz="1800" dirty="0"/>
-              <a:t>* </a:t>
+              <a:t>, </a:t>
+            </a:r>
+            <a:r>
+              <a:rPr lang="en-US" altLang="ja-JP" sz="1800" dirty="0" smtClean="0"/>
+              <a:t>X2_Scalar</a:t>
+            </a:r>
+            <a:r>
+              <a:rPr lang="en-US" altLang="ja-JP" sz="1800" dirty="0"/>
+              <a:t>* val);</a:t>
+            </a:r>
+          </a:p>
+          <a:p>
+            <a:r>
+              <a:rPr lang="en-US" altLang="ja-JP" sz="1800" dirty="0"/>
+              <a:t>void </a:t>
+            </a:r>
+            <a:r>
+              <a:rPr lang="en-US" altLang="ja-JP" sz="1800" dirty="0" err="1" smtClean="0"/>
+              <a:t>DD_AVX_xpay</a:t>
+            </a:r>
+            <a:r>
+              <a:rPr lang="en-US" altLang="ja-JP" sz="1800" dirty="0" smtClean="0"/>
+              <a:t>(X1_Vector </a:t>
             </a:r>
             <a:r>
               <a:rPr lang="en-US" altLang="ja-JP" sz="1800" dirty="0" err="1"/>
-              <a:t>val</a:t>
+              <a:t>vx</a:t>
+            </a:r>
+            <a:r>
+              <a:rPr lang="en-US" altLang="ja-JP" sz="1800" dirty="0"/>
+              <a:t>, </a:t>
+            </a:r>
+            <a:r>
+              <a:rPr lang="en-US" altLang="ja-JP" sz="1800" dirty="0" smtClean="0"/>
+              <a:t>X2_Scalar </a:t>
+            </a:r>
+            <a:r>
+              <a:rPr lang="en-US" altLang="ja-JP" sz="1800" dirty="0"/>
+              <a:t>alpha, </a:t>
+            </a:r>
+            <a:r>
+              <a:rPr lang="en-US" altLang="ja-JP" sz="1800" dirty="0" smtClean="0"/>
+              <a:t>X3_Vector </a:t>
+            </a:r>
+            <a:r>
+              <a:rPr lang="en-US" altLang="ja-JP" sz="1800" dirty="0" err="1"/>
+              <a:t>vy</a:t>
             </a:r>
             <a:r>
               <a:rPr lang="en-US" altLang="ja-JP" sz="1800" dirty="0"/>
@@ -5691,15 +5744,23 @@
           <a:p>
             <a:r>
               <a:rPr lang="en-US" altLang="ja-JP" sz="1800" dirty="0"/>
-              <a:t>void DD_AVX_nrm2(</a:t>
-            </a:r>
-            <a:r>
-              <a:rPr lang="en-US" altLang="ja-JP" sz="1800" dirty="0" err="1"/>
-              <a:t>X_Vector</a:t>
+              <a:t>void </a:t>
+            </a:r>
+            <a:r>
+              <a:rPr lang="en-US" altLang="ja-JP" sz="1800" dirty="0" err="1" smtClean="0"/>
+              <a:t>DD_AVX_scale</a:t>
+            </a:r>
+            <a:r>
+              <a:rPr lang="en-US" altLang="ja-JP" sz="1800" dirty="0" smtClean="0"/>
+              <a:t>(X1_Scalar </a:t>
             </a:r>
             <a:r>
               <a:rPr lang="en-US" altLang="ja-JP" sz="1800" dirty="0"/>
-              <a:t> </a:t>
+              <a:t>alpha, </a:t>
+            </a:r>
+            <a:r>
+              <a:rPr lang="en-US" altLang="ja-JP" sz="1800" dirty="0" smtClean="0"/>
+              <a:t>X2_Vector </a:t>
             </a:r>
             <a:r>
               <a:rPr lang="en-US" altLang="ja-JP" sz="1800" dirty="0" err="1"/>
@@ -5707,22 +5768,6 @@
             </a:r>
             <a:r>
               <a:rPr lang="en-US" altLang="ja-JP" sz="1800" dirty="0"/>
-              <a:t>, </a:t>
-            </a:r>
-            <a:r>
-              <a:rPr lang="en-US" altLang="ja-JP" sz="1800" dirty="0" err="1"/>
-              <a:t>X_Scalar</a:t>
-            </a:r>
-            <a:r>
-              <a:rPr lang="en-US" altLang="ja-JP" sz="1800" dirty="0"/>
-              <a:t>* </a:t>
-            </a:r>
-            <a:r>
-              <a:rPr lang="en-US" altLang="ja-JP" sz="1800" dirty="0" err="1"/>
-              <a:t>val</a:t>
-            </a:r>
-            <a:r>
-              <a:rPr lang="en-US" altLang="ja-JP" sz="1800" dirty="0"/>
               <a:t>);</a:t>
             </a:r>
           </a:p>
@@ -5732,20 +5777,20 @@
               <a:t>void </a:t>
             </a:r>
             <a:r>
-              <a:rPr lang="en-US" altLang="ja-JP" sz="1800" dirty="0" err="1"/>
-              <a:t>DD_AVX_xpay</a:t>
+              <a:rPr lang="en-US" altLang="ja-JP" sz="1800" dirty="0" err="1" smtClean="0"/>
+              <a:t>DD_AVX_SpMV</a:t>
+            </a:r>
+            <a:r>
+              <a:rPr lang="en-US" altLang="ja-JP" sz="1800" dirty="0" smtClean="0"/>
+              <a:t>(X1_Matrix </a:t>
             </a:r>
             <a:r>
               <a:rPr lang="en-US" altLang="ja-JP" sz="1800" dirty="0"/>
-              <a:t>(</a:t>
-            </a:r>
-            <a:r>
-              <a:rPr lang="en-US" altLang="ja-JP" sz="1800" dirty="0" err="1"/>
-              <a:t>X_Vector</a:t>
-            </a:r>
-            <a:r>
-              <a:rPr lang="en-US" altLang="ja-JP" sz="1800" dirty="0"/>
-              <a:t> </a:t>
+              <a:t>A, </a:t>
+            </a:r>
+            <a:r>
+              <a:rPr lang="en-US" altLang="ja-JP" sz="1800" dirty="0" smtClean="0"/>
+              <a:t>X2_Vector </a:t>
             </a:r>
             <a:r>
               <a:rPr lang="en-US" altLang="ja-JP" sz="1800" dirty="0" err="1"/>
@@ -5756,112 +5801,8 @@
               <a:t>, </a:t>
             </a:r>
             <a:r>
-              <a:rPr lang="en-US" altLang="ja-JP" sz="1800" dirty="0" err="1"/>
-              <a:t>X_Scalar</a:t>
-            </a:r>
-            <a:r>
-              <a:rPr lang="en-US" altLang="ja-JP" sz="1800" dirty="0"/>
-              <a:t> alpha, </a:t>
-            </a:r>
-            <a:r>
-              <a:rPr lang="en-US" altLang="ja-JP" sz="1800" dirty="0" err="1"/>
-              <a:t>X_Vector</a:t>
-            </a:r>
-            <a:r>
-              <a:rPr lang="en-US" altLang="ja-JP" sz="1800" dirty="0"/>
-              <a:t> </a:t>
-            </a:r>
-            <a:r>
-              <a:rPr lang="en-US" altLang="ja-JP" sz="1800" dirty="0" err="1"/>
-              <a:t>vy</a:t>
-            </a:r>
-            <a:r>
-              <a:rPr lang="en-US" altLang="ja-JP" sz="1800" dirty="0"/>
-              <a:t>);</a:t>
-            </a:r>
-          </a:p>
-          <a:p>
-            <a:r>
-              <a:rPr lang="en-US" altLang="ja-JP" sz="1800" dirty="0"/>
-              <a:t>void </a:t>
-            </a:r>
-            <a:r>
-              <a:rPr lang="en-US" altLang="ja-JP" sz="1800" dirty="0" err="1"/>
-              <a:t>DD_AVX_scale</a:t>
-            </a:r>
-            <a:r>
-              <a:rPr lang="en-US" altLang="ja-JP" sz="1800" dirty="0"/>
-              <a:t>(</a:t>
-            </a:r>
-            <a:r>
-              <a:rPr lang="en-US" altLang="ja-JP" sz="1800" dirty="0" err="1"/>
-              <a:t>X_Scalar</a:t>
-            </a:r>
-            <a:r>
-              <a:rPr lang="en-US" altLang="ja-JP" sz="1800" dirty="0"/>
-              <a:t> alpha, </a:t>
-            </a:r>
-            <a:r>
-              <a:rPr lang="en-US" altLang="ja-JP" sz="1800" dirty="0" err="1"/>
-              <a:t>X_Vector</a:t>
-            </a:r>
-            <a:r>
-              <a:rPr lang="en-US" altLang="ja-JP" sz="1800" dirty="0"/>
-              <a:t> </a:t>
-            </a:r>
-            <a:r>
-              <a:rPr lang="en-US" altLang="ja-JP" sz="1800" dirty="0" err="1"/>
-              <a:t>vx</a:t>
-            </a:r>
-            <a:r>
-              <a:rPr lang="en-US" altLang="ja-JP" sz="1800" dirty="0"/>
-              <a:t>);</a:t>
-            </a:r>
-          </a:p>
-          <a:p>
-            <a:r>
-              <a:rPr lang="en-US" altLang="ja-JP" sz="1800" dirty="0"/>
-              <a:t>void </a:t>
-            </a:r>
-            <a:r>
-              <a:rPr lang="en-US" altLang="ja-JP" sz="1800" dirty="0" err="1"/>
-              <a:t>DD_AVX_SpMV</a:t>
-            </a:r>
-            <a:r>
-              <a:rPr lang="en-US" altLang="ja-JP" sz="1800" dirty="0"/>
-              <a:t>(</a:t>
-            </a:r>
-            <a:r>
-              <a:rPr lang="en-US" altLang="ja-JP" sz="1800" dirty="0" err="1"/>
-              <a:t>X_Matrix</a:t>
-            </a:r>
-            <a:r>
-              <a:rPr lang="en-US" altLang="ja-JP" sz="1800" dirty="0"/>
-              <a:t> A, </a:t>
-            </a:r>
-            <a:r>
-              <a:rPr lang="en-US" altLang="ja-JP" sz="1800" dirty="0" err="1"/>
-              <a:t>X_Vector</a:t>
-            </a:r>
-            <a:r>
-              <a:rPr lang="en-US" altLang="ja-JP" sz="1800" dirty="0"/>
-              <a:t> </a:t>
-            </a:r>
-            <a:r>
-              <a:rPr lang="en-US" altLang="ja-JP" sz="1800" dirty="0" err="1"/>
-              <a:t>vx</a:t>
-            </a:r>
-            <a:r>
-              <a:rPr lang="en-US" altLang="ja-JP" sz="1800" dirty="0"/>
-              <a:t>, </a:t>
-            </a:r>
-            <a:r>
-              <a:rPr lang="en-US" altLang="ja-JP" sz="1800" dirty="0" err="1"/>
-              <a:t>X_Vector</a:t>
-            </a:r>
-            <a:r>
-              <a:rPr lang="en-US" altLang="ja-JP" sz="1800" dirty="0"/>
-              <a:t> </a:t>
+              <a:rPr lang="en-US" altLang="ja-JP" sz="1800" dirty="0" smtClean="0"/>
+              <a:t>X3_Vector </a:t>
             </a:r>
             <a:r>
               <a:rPr lang="en-US" altLang="ja-JP" sz="1800" dirty="0" err="1"/>
@@ -5898,7 +5839,7 @@
               <a:pPr>
                 <a:defRPr/>
               </a:pPr>
-              <a:t>2017/4/3</a:t>
+              <a:t>2017/4/8</a:t>
             </a:fld>
             <a:r>
               <a:rPr lang="ja-JP" altLang="en-US"/>
@@ -6131,7 +6072,7 @@
               <a:pPr>
                 <a:defRPr/>
               </a:pPr>
-              <a:t>2017/4/3</a:t>
+              <a:t>2017/4/8</a:t>
             </a:fld>
             <a:r>
               <a:rPr lang="ja-JP" altLang="en-US"/>
@@ -6332,7 +6273,7 @@
               <a:pPr>
                 <a:defRPr/>
               </a:pPr>
-              <a:t>2017/4/3</a:t>
+              <a:t>2017/4/8</a:t>
             </a:fld>
             <a:r>
               <a:rPr lang="ja-JP" altLang="en-US"/>
@@ -6550,7 +6491,7 @@
               <a:pPr>
                 <a:defRPr/>
               </a:pPr>
-              <a:t>2017/4/3</a:t>
+              <a:t>2017/4/8</a:t>
             </a:fld>
             <a:r>
               <a:rPr lang="ja-JP" altLang="en-US"/>
@@ -6596,7 +6537,7 @@
     </p:spTree>
     <p:extLst>
       <p:ext uri="{BB962C8B-B14F-4D97-AF65-F5344CB8AC3E}">
-        <p14:creationId xmlns:p14="http://schemas.microsoft.com/office/powerpoint/2010/main" val="3680389943"/>
+        <p14:creationId xmlns:p14="http://schemas.microsoft.com/office/powerpoint/2010/main" xmlns="" val="3680389943"/>
       </p:ext>
     </p:extLst>
   </p:cSld>
@@ -6811,7 +6752,7 @@
               <a:pPr>
                 <a:defRPr/>
               </a:pPr>
-              <a:t>2017/4/3</a:t>
+              <a:t>2017/4/8</a:t>
             </a:fld>
             <a:r>
               <a:rPr lang="ja-JP" altLang="en-US"/>
@@ -6971,7 +6912,7 @@
               <a:pPr>
                 <a:defRPr/>
               </a:pPr>
-              <a:t>2017/4/3</a:t>
+              <a:t>2017/4/8</a:t>
             </a:fld>
             <a:r>
               <a:rPr lang="ja-JP" altLang="en-US"/>
@@ -7133,7 +7074,7 @@
               <a:pPr>
                 <a:defRPr/>
               </a:pPr>
-              <a:t>2017/4/3</a:t>
+              <a:t>2017/4/8</a:t>
             </a:fld>
             <a:r>
               <a:rPr lang="ja-JP" altLang="en-US"/>
@@ -7179,7 +7120,7 @@
     </p:spTree>
     <p:extLst>
       <p:ext uri="{BB962C8B-B14F-4D97-AF65-F5344CB8AC3E}">
-        <p14:creationId xmlns:p14="http://schemas.microsoft.com/office/powerpoint/2010/main" val="2287453553"/>
+        <p14:creationId xmlns:p14="http://schemas.microsoft.com/office/powerpoint/2010/main" xmlns="" val="2287453553"/>
       </p:ext>
     </p:extLst>
   </p:cSld>
@@ -7362,7 +7303,7 @@
               <a:pPr>
                 <a:defRPr/>
               </a:pPr>
-              <a:t>2017/4/3</a:t>
+              <a:t>2017/4/8</a:t>
             </a:fld>
             <a:r>
               <a:rPr lang="ja-JP" altLang="en-US"/>
@@ -7408,7 +7349,7 @@
     </p:spTree>
     <p:extLst>
       <p:ext uri="{BB962C8B-B14F-4D97-AF65-F5344CB8AC3E}">
-        <p14:creationId xmlns:p14="http://schemas.microsoft.com/office/powerpoint/2010/main" val="1628085123"/>
+        <p14:creationId xmlns:p14="http://schemas.microsoft.com/office/powerpoint/2010/main" xmlns="" val="1628085123"/>
       </p:ext>
     </p:extLst>
   </p:cSld>
@@ -7519,6 +7460,10 @@
               <a:rPr kumimoji="1" lang="ja-JP" altLang="en-US" dirty="0"/>
               <a:t>とヘッダに書いてあるファイルは</a:t>
             </a:r>
+            <a:r>
+              <a:rPr kumimoji="1" lang="en-US" altLang="ja-JP" dirty="0"/>
+              <a:t/>
+            </a:r>
             <a:br>
               <a:rPr kumimoji="1" lang="en-US" altLang="ja-JP" dirty="0"/>
             </a:br>
@@ -7557,7 +7502,7 @@
               <a:pPr>
                 <a:defRPr/>
               </a:pPr>
-              <a:t>2017/4/3</a:t>
+              <a:t>2017/4/8</a:t>
             </a:fld>
             <a:r>
               <a:rPr lang="ja-JP" altLang="en-US"/>
@@ -7603,7 +7548,7 @@
     </p:spTree>
     <p:extLst>
       <p:ext uri="{BB962C8B-B14F-4D97-AF65-F5344CB8AC3E}">
-        <p14:creationId xmlns:p14="http://schemas.microsoft.com/office/powerpoint/2010/main" val="3536813956"/>
+        <p14:creationId xmlns:p14="http://schemas.microsoft.com/office/powerpoint/2010/main" xmlns="" val="3536813956"/>
       </p:ext>
     </p:extLst>
   </p:cSld>
@@ -7859,7 +7804,7 @@
               <a:pPr>
                 <a:defRPr/>
               </a:pPr>
-              <a:t>2017/4/3</a:t>
+              <a:t>2017/4/8</a:t>
             </a:fld>
             <a:r>
               <a:rPr lang="ja-JP" altLang="en-US" dirty="0"/>
@@ -8041,6 +7986,10 @@
             <a:r>
               <a:rPr lang="ja-JP" altLang="en-US" sz="2400" dirty="0"/>
               <a:t>命令を用いることで，</a:t>
+            </a:r>
+            <a:r>
+              <a:rPr lang="en-US" altLang="ja-JP" sz="2400" dirty="0"/>
+              <a:t/>
             </a:r>
             <a:br>
               <a:rPr lang="en-US" altLang="ja-JP" sz="2400" dirty="0"/>
@@ -8185,7 +8134,7 @@
           </a:ln>
           <a:extLst>
             <a:ext uri="{91240B29-F687-4F45-9708-019B960494DF}">
-              <a14:hiddenLine xmlns:a14="http://schemas.microsoft.com/office/drawing/2010/main" w="9525">
+              <a14:hiddenLine xmlns:a14="http://schemas.microsoft.com/office/drawing/2010/main" xmlns="" w="9525">
                 <a:solidFill>
                   <a:srgbClr val="000000"/>
                 </a:solidFill>
@@ -8340,7 +8289,7 @@
           </a:ln>
           <a:extLst>
             <a:ext uri="{91240B29-F687-4F45-9708-019B960494DF}">
-              <a14:hiddenLine xmlns:a14="http://schemas.microsoft.com/office/drawing/2010/main" w="9525">
+              <a14:hiddenLine xmlns:a14="http://schemas.microsoft.com/office/drawing/2010/main" xmlns="" w="9525">
                 <a:solidFill>
                   <a:srgbClr val="000000"/>
                 </a:solidFill>
@@ -8584,7 +8533,7 @@
               <a:pPr>
                 <a:defRPr/>
               </a:pPr>
-              <a:t>2017/4/3</a:t>
+              <a:t>2017/4/8</a:t>
             </a:fld>
             <a:r>
               <a:rPr lang="ja-JP" altLang="en-US" dirty="0"/>
@@ -8600,7 +8549,7 @@
     </p:spTree>
     <p:extLst>
       <p:ext uri="{BB962C8B-B14F-4D97-AF65-F5344CB8AC3E}">
-        <p14:creationId xmlns:p14="http://schemas.microsoft.com/office/powerpoint/2010/main" val="3885946006"/>
+        <p14:creationId xmlns:p14="http://schemas.microsoft.com/office/powerpoint/2010/main" xmlns="" val="3885946006"/>
       </p:ext>
     </p:extLst>
   </p:cSld>
@@ -11665,7 +11614,7 @@
               <a:pPr>
                 <a:defRPr/>
               </a:pPr>
-              <a:t>2017/4/3</a:t>
+              <a:t>2017/4/8</a:t>
             </a:fld>
             <a:endParaRPr lang="en-US" altLang="ja-JP" dirty="0"/>
           </a:p>
@@ -11674,18 +11623,18 @@
     </p:spTree>
     <p:extLst>
       <p:ext uri="{BB962C8B-B14F-4D97-AF65-F5344CB8AC3E}">
-        <p14:creationId xmlns:p14="http://schemas.microsoft.com/office/powerpoint/2010/main" val="2130466895"/>
+        <p14:creationId xmlns:p14="http://schemas.microsoft.com/office/powerpoint/2010/main" xmlns="" val="2130466895"/>
       </p:ext>
     </p:extLst>
   </p:cSld>
   <p:clrMapOvr>
     <a:masterClrMapping/>
   </p:clrMapOvr>
-  <mc:AlternateContent xmlns:mc="http://schemas.openxmlformats.org/markup-compatibility/2006" xmlns:p14="http://schemas.microsoft.com/office/powerpoint/2010/main">
-    <mc:Choice Requires="p14">
+  <mc:AlternateContent xmlns:mc="http://schemas.openxmlformats.org/markup-compatibility/2006">
+    <mc:Choice xmlns:p14="http://schemas.microsoft.com/office/powerpoint/2010/main" xmlns="" Requires="p14">
       <p:transition spd="slow" p14:dur="2000" advTm="56362"/>
     </mc:Choice>
-    <mc:Fallback xmlns="">
+    <mc:Fallback>
       <p:transition spd="slow" advTm="56362"/>
     </mc:Fallback>
   </mc:AlternateContent>
@@ -12277,7 +12226,7 @@
           <a:effectLst/>
           <a:extLst>
             <a:ext uri="{AF507438-7753-43E0-B8FC-AC1667EBCBE1}">
-              <a14:hiddenEffects xmlns:a14="http://schemas.microsoft.com/office/drawing/2010/main">
+              <a14:hiddenEffects xmlns:a14="http://schemas.microsoft.com/office/drawing/2010/main" xmlns="">
                 <a:effectLst>
                   <a:outerShdw dist="35921" dir="2700000" algn="ctr" rotWithShape="0">
                     <a:schemeClr val="bg2"/>
@@ -12366,7 +12315,7 @@
           <a:effectLst/>
           <a:extLst>
             <a:ext uri="{AF507438-7753-43E0-B8FC-AC1667EBCBE1}">
-              <a14:hiddenEffects xmlns:a14="http://schemas.microsoft.com/office/drawing/2010/main">
+              <a14:hiddenEffects xmlns:a14="http://schemas.microsoft.com/office/drawing/2010/main" xmlns="">
                 <a:effectLst>
                   <a:outerShdw dist="35921" dir="2700000" algn="ctr" rotWithShape="0">
                     <a:schemeClr val="bg2"/>
@@ -12452,7 +12401,7 @@
           <a:effectLst/>
           <a:extLst>
             <a:ext uri="{AF507438-7753-43E0-B8FC-AC1667EBCBE1}">
-              <a14:hiddenEffects xmlns:a14="http://schemas.microsoft.com/office/drawing/2010/main">
+              <a14:hiddenEffects xmlns:a14="http://schemas.microsoft.com/office/drawing/2010/main" xmlns="">
                 <a:effectLst>
                   <a:outerShdw dist="35921" dir="2700000" algn="ctr" rotWithShape="0">
                     <a:schemeClr val="bg2"/>
@@ -12533,7 +12482,7 @@
           <a:effectLst/>
           <a:extLst>
             <a:ext uri="{AF507438-7753-43E0-B8FC-AC1667EBCBE1}">
-              <a14:hiddenEffects xmlns:a14="http://schemas.microsoft.com/office/drawing/2010/main">
+              <a14:hiddenEffects xmlns:a14="http://schemas.microsoft.com/office/drawing/2010/main" xmlns="">
                 <a:effectLst>
                   <a:outerShdw dist="35921" dir="2700000" algn="ctr" rotWithShape="0">
                     <a:schemeClr val="bg2"/>
@@ -12610,6 +12559,10 @@
             <a:r>
               <a:rPr kumimoji="1" lang="ja-JP" altLang="en-US" dirty="0"/>
               <a:t>形式の</a:t>
+            </a:r>
+            <a:r>
+              <a:rPr kumimoji="1" lang="en-US" altLang="ja-JP" dirty="0"/>
+              <a:t/>
             </a:r>
             <a:br>
               <a:rPr kumimoji="1" lang="en-US" altLang="ja-JP" dirty="0"/>
@@ -12655,7 +12608,7 @@
           <a:effectLst/>
           <a:extLst>
             <a:ext uri="{AF507438-7753-43E0-B8FC-AC1667EBCBE1}">
-              <a14:hiddenEffects xmlns:a14="http://schemas.microsoft.com/office/drawing/2010/main">
+              <a14:hiddenEffects xmlns:a14="http://schemas.microsoft.com/office/drawing/2010/main" xmlns="">
                 <a:effectLst>
                   <a:outerShdw dist="35921" dir="2700000" algn="ctr" rotWithShape="0">
                     <a:schemeClr val="bg2"/>
@@ -12695,7 +12648,7 @@
           <a:effectLst/>
           <a:extLst>
             <a:ext uri="{AF507438-7753-43E0-B8FC-AC1667EBCBE1}">
-              <a14:hiddenEffects xmlns:a14="http://schemas.microsoft.com/office/drawing/2010/main">
+              <a14:hiddenEffects xmlns:a14="http://schemas.microsoft.com/office/drawing/2010/main" xmlns="">
                 <a:effectLst>
                   <a:outerShdw dist="35921" dir="2700000" algn="ctr" rotWithShape="0">
                     <a:schemeClr val="bg2"/>
@@ -12735,7 +12688,7 @@
           <a:effectLst/>
           <a:extLst>
             <a:ext uri="{AF507438-7753-43E0-B8FC-AC1667EBCBE1}">
-              <a14:hiddenEffects xmlns:a14="http://schemas.microsoft.com/office/drawing/2010/main">
+              <a14:hiddenEffects xmlns:a14="http://schemas.microsoft.com/office/drawing/2010/main" xmlns="">
                 <a:effectLst>
                   <a:outerShdw dist="35921" dir="2700000" algn="ctr" rotWithShape="0">
                     <a:schemeClr val="bg2"/>
@@ -12775,7 +12728,7 @@
           <a:effectLst/>
           <a:extLst>
             <a:ext uri="{AF507438-7753-43E0-B8FC-AC1667EBCBE1}">
-              <a14:hiddenEffects xmlns:a14="http://schemas.microsoft.com/office/drawing/2010/main">
+              <a14:hiddenEffects xmlns:a14="http://schemas.microsoft.com/office/drawing/2010/main" xmlns="">
                 <a:effectLst>
                   <a:outerShdw dist="35921" dir="2700000" algn="ctr" rotWithShape="0">
                     <a:schemeClr val="bg2"/>
@@ -12815,7 +12768,7 @@
           <a:effectLst/>
           <a:extLst>
             <a:ext uri="{AF507438-7753-43E0-B8FC-AC1667EBCBE1}">
-              <a14:hiddenEffects xmlns:a14="http://schemas.microsoft.com/office/drawing/2010/main">
+              <a14:hiddenEffects xmlns:a14="http://schemas.microsoft.com/office/drawing/2010/main" xmlns="">
                 <a:effectLst>
                   <a:outerShdw dist="35921" dir="2700000" algn="ctr" rotWithShape="0">
                     <a:schemeClr val="bg2"/>
@@ -12855,7 +12808,7 @@
           <a:effectLst/>
           <a:extLst>
             <a:ext uri="{AF507438-7753-43E0-B8FC-AC1667EBCBE1}">
-              <a14:hiddenEffects xmlns:a14="http://schemas.microsoft.com/office/drawing/2010/main">
+              <a14:hiddenEffects xmlns:a14="http://schemas.microsoft.com/office/drawing/2010/main" xmlns="">
                 <a:effectLst>
                   <a:outerShdw dist="35921" dir="2700000" algn="ctr" rotWithShape="0">
                     <a:schemeClr val="bg2"/>
@@ -12895,7 +12848,7 @@
           <a:effectLst/>
           <a:extLst>
             <a:ext uri="{AF507438-7753-43E0-B8FC-AC1667EBCBE1}">
-              <a14:hiddenEffects xmlns:a14="http://schemas.microsoft.com/office/drawing/2010/main">
+              <a14:hiddenEffects xmlns:a14="http://schemas.microsoft.com/office/drawing/2010/main" xmlns="">
                 <a:effectLst>
                   <a:outerShdw dist="35921" dir="2700000" algn="ctr" rotWithShape="0">
                     <a:schemeClr val="bg2"/>
@@ -12935,7 +12888,7 @@
           <a:effectLst/>
           <a:extLst>
             <a:ext uri="{AF507438-7753-43E0-B8FC-AC1667EBCBE1}">
-              <a14:hiddenEffects xmlns:a14="http://schemas.microsoft.com/office/drawing/2010/main">
+              <a14:hiddenEffects xmlns:a14="http://schemas.microsoft.com/office/drawing/2010/main" xmlns="">
                 <a:effectLst>
                   <a:outerShdw dist="35921" dir="2700000" algn="ctr" rotWithShape="0">
                     <a:schemeClr val="bg2"/>
@@ -12949,7 +12902,7 @@
     </p:spTree>
     <p:extLst>
       <p:ext uri="{BB962C8B-B14F-4D97-AF65-F5344CB8AC3E}">
-        <p14:creationId xmlns:p14="http://schemas.microsoft.com/office/powerpoint/2010/main" val="1806472068"/>
+        <p14:creationId xmlns:p14="http://schemas.microsoft.com/office/powerpoint/2010/main" xmlns="" val="1806472068"/>
       </p:ext>
     </p:extLst>
   </p:cSld>
@@ -13487,7 +13440,7 @@
           <a:blip r:embed="rId3" cstate="print">
             <a:extLst>
               <a:ext uri="{28A0092B-C50C-407E-A947-70E740481C1C}">
-                <a14:useLocalDpi xmlns:a14="http://schemas.microsoft.com/office/drawing/2010/main" val="0"/>
+                <a14:useLocalDpi xmlns:a14="http://schemas.microsoft.com/office/drawing/2010/main" xmlns="" val="0"/>
               </a:ext>
             </a:extLst>
           </a:blip>
@@ -13539,7 +13492,7 @@
           <a:effectLst/>
           <a:extLst>
             <a:ext uri="{AF507438-7753-43E0-B8FC-AC1667EBCBE1}">
-              <a14:hiddenEffects xmlns:a14="http://schemas.microsoft.com/office/drawing/2010/main">
+              <a14:hiddenEffects xmlns:a14="http://schemas.microsoft.com/office/drawing/2010/main" xmlns="">
                 <a:effectLst>
                   <a:outerShdw dist="35921" dir="2700000" algn="ctr" rotWithShape="0">
                     <a:schemeClr val="bg2"/>
@@ -13714,7 +13667,7 @@
     </p:spTree>
     <p:extLst>
       <p:ext uri="{BB962C8B-B14F-4D97-AF65-F5344CB8AC3E}">
-        <p14:creationId xmlns:p14="http://schemas.microsoft.com/office/powerpoint/2010/main" val="2079551749"/>
+        <p14:creationId xmlns:p14="http://schemas.microsoft.com/office/powerpoint/2010/main" xmlns="" val="2079551749"/>
       </p:ext>
     </p:extLst>
   </p:cSld>
@@ -13833,7 +13786,7 @@
               <a:pPr>
                 <a:defRPr/>
               </a:pPr>
-              <a:t>2017/4/3</a:t>
+              <a:t>2017/4/8</a:t>
             </a:fld>
             <a:r>
               <a:rPr lang="ja-JP" altLang="en-US"/>
@@ -14016,6 +13969,10 @@
               <a:rPr lang="ja-JP" altLang="en-US" dirty="0"/>
               <a:t>からダウンロードしても良いが，</a:t>
             </a:r>
+            <a:r>
+              <a:rPr lang="en-US" altLang="ja-JP" dirty="0"/>
+              <a:t/>
+            </a:r>
             <a:br>
               <a:rPr lang="en-US" altLang="ja-JP" dirty="0"/>
             </a:br>
@@ -14050,7 +14007,7 @@
               <a:pPr>
                 <a:defRPr/>
               </a:pPr>
-              <a:t>2017/4/3</a:t>
+              <a:t>2017/4/8</a:t>
             </a:fld>
             <a:r>
               <a:rPr lang="ja-JP" altLang="en-US"/>
@@ -14351,7 +14308,7 @@
         <a:effectLst/>
         <a:extLst>
           <a:ext uri="{AF507438-7753-43E0-B8FC-AC1667EBCBE1}">
-            <a14:hiddenEffects xmlns:a14="http://schemas.microsoft.com/office/drawing/2010/main">
+            <a14:hiddenEffects xmlns:a14="http://schemas.microsoft.com/office/drawing/2010/main" xmlns="">
               <a:effectLst>
                 <a:outerShdw dist="35921" dir="2700000" algn="ctr" rotWithShape="0">
                   <a:schemeClr val="bg2"/>
@@ -14425,7 +14382,7 @@
         <a:effectLst/>
         <a:extLst>
           <a:ext uri="{AF507438-7753-43E0-B8FC-AC1667EBCBE1}">
-            <a14:hiddenEffects xmlns:a14="http://schemas.microsoft.com/office/drawing/2010/main">
+            <a14:hiddenEffects xmlns:a14="http://schemas.microsoft.com/office/drawing/2010/main" xmlns="">
               <a:effectLst>
                 <a:outerShdw dist="35921" dir="2700000" algn="ctr" rotWithShape="0">
                   <a:schemeClr val="bg2"/>
